--- a/CloneDetectionResult/CCFinderSW.pptx
+++ b/CloneDetectionResult/CCFinderSW.pptx
@@ -268,7 +268,7 @@
           <a:p>
             <a:fld id="{141C10A1-5FEC-D446-A167-04B3B42B26F6}" type="datetimeFigureOut">
               <a:rPr kumimoji="1" lang="ja-JP" altLang="en-US" smtClean="0"/>
-              <a:t>2020/11/19</a:t>
+              <a:t>2020/11/20</a:t>
             </a:fld>
             <a:endParaRPr kumimoji="1" lang="ja-JP" altLang="en-US"/>
           </a:p>
@@ -498,7 +498,7 @@
           <a:p>
             <a:fld id="{141C10A1-5FEC-D446-A167-04B3B42B26F6}" type="datetimeFigureOut">
               <a:rPr kumimoji="1" lang="ja-JP" altLang="en-US" smtClean="0"/>
-              <a:t>2020/11/19</a:t>
+              <a:t>2020/11/20</a:t>
             </a:fld>
             <a:endParaRPr kumimoji="1" lang="ja-JP" altLang="en-US"/>
           </a:p>
@@ -738,7 +738,7 @@
           <a:p>
             <a:fld id="{141C10A1-5FEC-D446-A167-04B3B42B26F6}" type="datetimeFigureOut">
               <a:rPr kumimoji="1" lang="ja-JP" altLang="en-US" smtClean="0"/>
-              <a:t>2020/11/19</a:t>
+              <a:t>2020/11/20</a:t>
             </a:fld>
             <a:endParaRPr kumimoji="1" lang="ja-JP" altLang="en-US"/>
           </a:p>
@@ -968,7 +968,7 @@
           <a:p>
             <a:fld id="{141C10A1-5FEC-D446-A167-04B3B42B26F6}" type="datetimeFigureOut">
               <a:rPr kumimoji="1" lang="ja-JP" altLang="en-US" smtClean="0"/>
-              <a:t>2020/11/19</a:t>
+              <a:t>2020/11/20</a:t>
             </a:fld>
             <a:endParaRPr kumimoji="1" lang="ja-JP" altLang="en-US"/>
           </a:p>
@@ -1243,7 +1243,7 @@
           <a:p>
             <a:fld id="{141C10A1-5FEC-D446-A167-04B3B42B26F6}" type="datetimeFigureOut">
               <a:rPr kumimoji="1" lang="ja-JP" altLang="en-US" smtClean="0"/>
-              <a:t>2020/11/19</a:t>
+              <a:t>2020/11/20</a:t>
             </a:fld>
             <a:endParaRPr kumimoji="1" lang="ja-JP" altLang="en-US"/>
           </a:p>
@@ -1572,7 +1572,7 @@
           <a:p>
             <a:fld id="{141C10A1-5FEC-D446-A167-04B3B42B26F6}" type="datetimeFigureOut">
               <a:rPr kumimoji="1" lang="ja-JP" altLang="en-US" smtClean="0"/>
-              <a:t>2020/11/19</a:t>
+              <a:t>2020/11/20</a:t>
             </a:fld>
             <a:endParaRPr kumimoji="1" lang="ja-JP" altLang="en-US"/>
           </a:p>
@@ -2048,7 +2048,7 @@
           <a:p>
             <a:fld id="{141C10A1-5FEC-D446-A167-04B3B42B26F6}" type="datetimeFigureOut">
               <a:rPr kumimoji="1" lang="ja-JP" altLang="en-US" smtClean="0"/>
-              <a:t>2020/11/19</a:t>
+              <a:t>2020/11/20</a:t>
             </a:fld>
             <a:endParaRPr kumimoji="1" lang="ja-JP" altLang="en-US"/>
           </a:p>
@@ -2189,7 +2189,7 @@
           <a:p>
             <a:fld id="{141C10A1-5FEC-D446-A167-04B3B42B26F6}" type="datetimeFigureOut">
               <a:rPr kumimoji="1" lang="ja-JP" altLang="en-US" smtClean="0"/>
-              <a:t>2020/11/19</a:t>
+              <a:t>2020/11/20</a:t>
             </a:fld>
             <a:endParaRPr kumimoji="1" lang="ja-JP" altLang="en-US"/>
           </a:p>
@@ -2302,7 +2302,7 @@
           <a:p>
             <a:fld id="{141C10A1-5FEC-D446-A167-04B3B42B26F6}" type="datetimeFigureOut">
               <a:rPr kumimoji="1" lang="ja-JP" altLang="en-US" smtClean="0"/>
-              <a:t>2020/11/19</a:t>
+              <a:t>2020/11/20</a:t>
             </a:fld>
             <a:endParaRPr kumimoji="1" lang="ja-JP" altLang="en-US"/>
           </a:p>
@@ -2645,7 +2645,7 @@
           <a:p>
             <a:fld id="{141C10A1-5FEC-D446-A167-04B3B42B26F6}" type="datetimeFigureOut">
               <a:rPr kumimoji="1" lang="ja-JP" altLang="en-US" smtClean="0"/>
-              <a:t>2020/11/19</a:t>
+              <a:t>2020/11/20</a:t>
             </a:fld>
             <a:endParaRPr kumimoji="1" lang="ja-JP" altLang="en-US"/>
           </a:p>
@@ -2933,7 +2933,7 @@
           <a:p>
             <a:fld id="{141C10A1-5FEC-D446-A167-04B3B42B26F6}" type="datetimeFigureOut">
               <a:rPr kumimoji="1" lang="ja-JP" altLang="en-US" smtClean="0"/>
-              <a:t>2020/11/19</a:t>
+              <a:t>2020/11/20</a:t>
             </a:fld>
             <a:endParaRPr kumimoji="1" lang="ja-JP" altLang="en-US"/>
           </a:p>
@@ -3206,7 +3206,7 @@
           <a:p>
             <a:fld id="{141C10A1-5FEC-D446-A167-04B3B42B26F6}" type="datetimeFigureOut">
               <a:rPr kumimoji="1" lang="ja-JP" altLang="en-US" smtClean="0"/>
-              <a:t>2020/11/19</a:t>
+              <a:t>2020/11/20</a:t>
             </a:fld>
             <a:endParaRPr kumimoji="1" lang="ja-JP" altLang="en-US"/>
           </a:p>
@@ -3941,14 +3941,14 @@
             <p:ph idx="1"/>
             <p:extLst>
               <p:ext uri="{D42A27DB-BD31-4B8C-83A1-F6EECF244321}">
-                <p14:modId xmlns:p14="http://schemas.microsoft.com/office/powerpoint/2010/main" val="822290245"/>
+                <p14:modId xmlns:p14="http://schemas.microsoft.com/office/powerpoint/2010/main" val="1019073050"/>
               </p:ext>
             </p:extLst>
           </p:nvPr>
         </p:nvGraphicFramePr>
         <p:xfrm>
           <a:off x="1330036" y="1351280"/>
-          <a:ext cx="8966203" cy="4155440"/>
+          <a:ext cx="10023762" cy="4145280"/>
         </p:xfrm>
         <a:graphic>
           <a:graphicData uri="http://schemas.openxmlformats.org/drawingml/2006/table">
@@ -3957,35 +3957,35 @@
                 <a:tableStyleId>{5C22544A-7EE6-4342-B048-85BDC9FD1C3A}</a:tableStyleId>
               </a:tblPr>
               <a:tblGrid>
-                <a:gridCol w="1408333">
+                <a:gridCol w="1574445">
                   <a:extLst>
                     <a:ext uri="{9D8B030D-6E8A-4147-A177-3AD203B41FA5}">
                       <a16:colId xmlns:a16="http://schemas.microsoft.com/office/drawing/2014/main" val="3304346374"/>
                     </a:ext>
                   </a:extLst>
                 </a:gridCol>
-                <a:gridCol w="1415554">
+                <a:gridCol w="1582518">
                   <a:extLst>
                     <a:ext uri="{9D8B030D-6E8A-4147-A177-3AD203B41FA5}">
                       <a16:colId xmlns:a16="http://schemas.microsoft.com/office/drawing/2014/main" val="795950935"/>
                     </a:ext>
                   </a:extLst>
                 </a:gridCol>
-                <a:gridCol w="1551106">
+                <a:gridCol w="1734058">
                   <a:extLst>
                     <a:ext uri="{9D8B030D-6E8A-4147-A177-3AD203B41FA5}">
                       <a16:colId xmlns:a16="http://schemas.microsoft.com/office/drawing/2014/main" val="729916313"/>
                     </a:ext>
                   </a:extLst>
                 </a:gridCol>
-                <a:gridCol w="1551106">
+                <a:gridCol w="2554233">
                   <a:extLst>
                     <a:ext uri="{9D8B030D-6E8A-4147-A177-3AD203B41FA5}">
                       <a16:colId xmlns:a16="http://schemas.microsoft.com/office/drawing/2014/main" val="2590501429"/>
                     </a:ext>
                   </a:extLst>
                 </a:gridCol>
-                <a:gridCol w="3040104">
+                <a:gridCol w="2578508">
                   <a:extLst>
                     <a:ext uri="{9D8B030D-6E8A-4147-A177-3AD203B41FA5}">
                       <a16:colId xmlns:a16="http://schemas.microsoft.com/office/drawing/2014/main" val="2811256880"/>
@@ -4595,7 +4595,10 @@
                         <a:rPr kumimoji="1" lang="en-US" altLang="ja-JP" dirty="0"/>
                         <a:t>1</a:t>
                       </a:r>
-                      <a:endParaRPr kumimoji="1" lang="ja-JP" altLang="en-US"/>
+                      <a:r>
+                        <a:rPr kumimoji="1" lang="ja-JP" altLang="en-US"/>
+                        <a:t>（脆弱性検出としては失敗）</a:t>
+                      </a:r>
                     </a:p>
                   </a:txBody>
                   <a:tcPr/>
@@ -4758,12 +4761,8 @@
           <a:lstStyle/>
           <a:p>
             <a:r>
-              <a:rPr lang="en-US" altLang="ja-JP" dirty="0"/>
-              <a:t>4</a:t>
-            </a:r>
-            <a:r>
               <a:rPr kumimoji="1" lang="en-US" altLang="ja-JP" dirty="0"/>
-              <a:t>/8</a:t>
+              <a:t>3/8</a:t>
             </a:r>
             <a:r>
               <a:rPr kumimoji="1" lang="ja-JP" altLang="en-US"/>

--- a/CloneDetectionResult/CCFinderSW.pptx
+++ b/CloneDetectionResult/CCFinderSW.pptx
@@ -15,6 +15,7 @@
     <p:sldId id="263" r:id="rId9"/>
     <p:sldId id="264" r:id="rId10"/>
     <p:sldId id="265" r:id="rId11"/>
+    <p:sldId id="267" r:id="rId12"/>
   </p:sldIdLst>
   <p:sldSz cx="12192000" cy="6858000"/>
   <p:notesSz cx="6858000" cy="9144000"/>
@@ -4844,6 +4845,956 @@
 </p:sld>
 </file>
 
+<file path=ppt/slides/slide11.xml><?xml version="1.0" encoding="utf-8"?>
+<p:sld xmlns:a="http://schemas.openxmlformats.org/drawingml/2006/main" xmlns:r="http://schemas.openxmlformats.org/officeDocument/2006/relationships" xmlns:p="http://schemas.openxmlformats.org/presentationml/2006/main" show="0">
+  <p:cSld>
+    <p:spTree>
+      <p:nvGrpSpPr>
+        <p:cNvPr id="1" name=""/>
+        <p:cNvGrpSpPr/>
+        <p:nvPr/>
+      </p:nvGrpSpPr>
+      <p:grpSpPr>
+        <a:xfrm>
+          <a:off x="0" y="0"/>
+          <a:ext cx="0" cy="0"/>
+          <a:chOff x="0" y="0"/>
+          <a:chExt cx="0" cy="0"/>
+        </a:xfrm>
+      </p:grpSpPr>
+      <p:sp>
+        <p:nvSpPr>
+          <p:cNvPr id="5" name="タイトル 4">
+            <a:extLst>
+              <a:ext uri="{FF2B5EF4-FFF2-40B4-BE49-F238E27FC236}">
+                <a16:creationId xmlns:a16="http://schemas.microsoft.com/office/drawing/2014/main" id="{5158BB8F-328C-DC40-A9F9-347A58642BA7}"/>
+              </a:ext>
+            </a:extLst>
+          </p:cNvPr>
+          <p:cNvSpPr>
+            <a:spLocks noGrp="1"/>
+          </p:cNvSpPr>
+          <p:nvPr>
+            <p:ph type="title"/>
+          </p:nvPr>
+        </p:nvSpPr>
+        <p:spPr/>
+        <p:txBody>
+          <a:bodyPr/>
+          <a:lstStyle/>
+          <a:p>
+            <a:r>
+              <a:rPr lang="ja-JP" altLang="en-US"/>
+              <a:t>大野君向け集計</a:t>
+            </a:r>
+          </a:p>
+        </p:txBody>
+      </p:sp>
+      <p:graphicFrame>
+        <p:nvGraphicFramePr>
+          <p:cNvPr id="7" name="表 7">
+            <a:extLst>
+              <a:ext uri="{FF2B5EF4-FFF2-40B4-BE49-F238E27FC236}">
+                <a16:creationId xmlns:a16="http://schemas.microsoft.com/office/drawing/2014/main" id="{CA9C1B55-C6A1-D84C-9E36-A15ACBAF3EC9}"/>
+              </a:ext>
+            </a:extLst>
+          </p:cNvPr>
+          <p:cNvGraphicFramePr>
+            <a:graphicFrameLocks noGrp="1"/>
+          </p:cNvGraphicFramePr>
+          <p:nvPr>
+            <p:ph idx="1"/>
+            <p:extLst>
+              <p:ext uri="{D42A27DB-BD31-4B8C-83A1-F6EECF244321}">
+                <p14:modId xmlns:p14="http://schemas.microsoft.com/office/powerpoint/2010/main" val="2833608365"/>
+              </p:ext>
+            </p:extLst>
+          </p:nvPr>
+        </p:nvGraphicFramePr>
+        <p:xfrm>
+          <a:off x="1330036" y="1351280"/>
+          <a:ext cx="10448979" cy="3606800"/>
+        </p:xfrm>
+        <a:graphic>
+          <a:graphicData uri="http://schemas.openxmlformats.org/drawingml/2006/table">
+            <a:tbl>
+              <a:tblPr firstRow="1" bandRow="1">
+                <a:tableStyleId>{5C22544A-7EE6-4342-B048-85BDC9FD1C3A}</a:tableStyleId>
+              </a:tblPr>
+              <a:tblGrid>
+                <a:gridCol w="1645218">
+                  <a:extLst>
+                    <a:ext uri="{9D8B030D-6E8A-4147-A177-3AD203B41FA5}">
+                      <a16:colId xmlns:a16="http://schemas.microsoft.com/office/drawing/2014/main" val="3304346374"/>
+                    </a:ext>
+                  </a:extLst>
+                </a:gridCol>
+                <a:gridCol w="1653655">
+                  <a:extLst>
+                    <a:ext uri="{9D8B030D-6E8A-4147-A177-3AD203B41FA5}">
+                      <a16:colId xmlns:a16="http://schemas.microsoft.com/office/drawing/2014/main" val="795950935"/>
+                    </a:ext>
+                  </a:extLst>
+                </a:gridCol>
+                <a:gridCol w="1812006">
+                  <a:extLst>
+                    <a:ext uri="{9D8B030D-6E8A-4147-A177-3AD203B41FA5}">
+                      <a16:colId xmlns:a16="http://schemas.microsoft.com/office/drawing/2014/main" val="729916313"/>
+                    </a:ext>
+                  </a:extLst>
+                </a:gridCol>
+                <a:gridCol w="2669050">
+                  <a:extLst>
+                    <a:ext uri="{9D8B030D-6E8A-4147-A177-3AD203B41FA5}">
+                      <a16:colId xmlns:a16="http://schemas.microsoft.com/office/drawing/2014/main" val="2590501429"/>
+                    </a:ext>
+                  </a:extLst>
+                </a:gridCol>
+                <a:gridCol w="2669050">
+                  <a:extLst>
+                    <a:ext uri="{9D8B030D-6E8A-4147-A177-3AD203B41FA5}">
+                      <a16:colId xmlns:a16="http://schemas.microsoft.com/office/drawing/2014/main" val="64729692"/>
+                    </a:ext>
+                  </a:extLst>
+                </a:gridCol>
+              </a:tblGrid>
+              <a:tr h="370840">
+                <a:tc>
+                  <a:txBody>
+                    <a:bodyPr/>
+                    <a:lstStyle/>
+                    <a:p>
+                      <a:endParaRPr kumimoji="1" lang="ja-JP" altLang="en-US"/>
+                    </a:p>
+                  </a:txBody>
+                  <a:tcPr/>
+                </a:tc>
+                <a:tc>
+                  <a:txBody>
+                    <a:bodyPr/>
+                    <a:lstStyle/>
+                    <a:p>
+                      <a:r>
+                        <a:rPr kumimoji="1" lang="ja-JP" altLang="en-US"/>
+                        <a:t>ファイル数</a:t>
+                      </a:r>
+                      <a:endParaRPr kumimoji="1" lang="en-US" altLang="ja-JP" dirty="0"/>
+                    </a:p>
+                    <a:p>
+                      <a:r>
+                        <a:rPr kumimoji="1" lang="ja-JP" altLang="en-US"/>
+                        <a:t>（</a:t>
+                      </a:r>
+                      <a:r>
+                        <a:rPr kumimoji="1" lang="en-US" altLang="ja-JP" dirty="0"/>
+                        <a:t>A)</a:t>
+                      </a:r>
+                      <a:endParaRPr kumimoji="1" lang="ja-JP" altLang="en-US"/>
+                    </a:p>
+                  </a:txBody>
+                  <a:tcPr/>
+                </a:tc>
+                <a:tc>
+                  <a:txBody>
+                    <a:bodyPr/>
+                    <a:lstStyle/>
+                    <a:p>
+                      <a:r>
+                        <a:rPr kumimoji="1" lang="ja-JP" altLang="en-US"/>
+                        <a:t>修正箇所との</a:t>
+                      </a:r>
+                      <a:endParaRPr kumimoji="1" lang="en-US" altLang="ja-JP" dirty="0"/>
+                    </a:p>
+                    <a:p>
+                      <a:r>
+                        <a:rPr kumimoji="1" lang="ja-JP" altLang="en-US"/>
+                        <a:t>オーバラップ</a:t>
+                      </a:r>
+                    </a:p>
+                  </a:txBody>
+                  <a:tcPr/>
+                </a:tc>
+                <a:tc>
+                  <a:txBody>
+                    <a:bodyPr/>
+                    <a:lstStyle/>
+                    <a:p>
+                      <a:r>
+                        <a:rPr kumimoji="1" lang="ja-JP" altLang="en-US"/>
+                        <a:t>検出コー片数</a:t>
+                      </a:r>
+                      <a:r>
+                        <a:rPr kumimoji="1" lang="en-US" altLang="ja-JP" dirty="0"/>
+                        <a:t>(B)</a:t>
+                      </a:r>
+                      <a:endParaRPr kumimoji="1" lang="ja-JP" altLang="en-US"/>
+                    </a:p>
+                  </a:txBody>
+                  <a:tcPr/>
+                </a:tc>
+                <a:tc>
+                  <a:txBody>
+                    <a:bodyPr/>
+                    <a:lstStyle/>
+                    <a:p>
+                      <a:r>
+                        <a:rPr kumimoji="1" lang="en-US" altLang="ja-JP" dirty="0"/>
+                        <a:t>C</a:t>
+                      </a:r>
+                      <a:endParaRPr kumimoji="1" lang="ja-JP" altLang="en-US"/>
+                    </a:p>
+                  </a:txBody>
+                  <a:tcPr/>
+                </a:tc>
+                <a:extLst>
+                  <a:ext uri="{0D108BD9-81ED-4DB2-BD59-A6C34878D82A}">
+                    <a16:rowId xmlns:a16="http://schemas.microsoft.com/office/drawing/2014/main" val="1500166182"/>
+                  </a:ext>
+                </a:extLst>
+              </a:tr>
+              <a:tr h="370840">
+                <a:tc>
+                  <a:txBody>
+                    <a:bodyPr/>
+                    <a:lstStyle/>
+                    <a:p>
+                      <a:r>
+                        <a:rPr kumimoji="1" lang="en-US" altLang="ja-JP" dirty="0"/>
+                        <a:t>2011-2711</a:t>
+                      </a:r>
+                      <a:endParaRPr kumimoji="1" lang="ja-JP" altLang="en-US"/>
+                    </a:p>
+                  </a:txBody>
+                  <a:tcPr/>
+                </a:tc>
+                <a:tc>
+                  <a:txBody>
+                    <a:bodyPr/>
+                    <a:lstStyle/>
+                    <a:p>
+                      <a:r>
+                        <a:rPr kumimoji="1" lang="en-US" altLang="ja-JP" dirty="0"/>
+                        <a:t>33</a:t>
+                      </a:r>
+                      <a:endParaRPr kumimoji="1" lang="ja-JP" altLang="en-US"/>
+                    </a:p>
+                  </a:txBody>
+                  <a:tcPr/>
+                </a:tc>
+                <a:tc>
+                  <a:txBody>
+                    <a:bodyPr/>
+                    <a:lstStyle/>
+                    <a:p>
+                      <a:r>
+                        <a:rPr kumimoji="1" lang="ja-JP" altLang="en-US"/>
+                        <a:t>有</a:t>
+                      </a:r>
+                    </a:p>
+                  </a:txBody>
+                  <a:tcPr/>
+                </a:tc>
+                <a:tc>
+                  <a:txBody>
+                    <a:bodyPr/>
+                    <a:lstStyle/>
+                    <a:p>
+                      <a:r>
+                        <a:rPr kumimoji="1" lang="en-US" altLang="ja-JP" dirty="0"/>
+                        <a:t>21</a:t>
+                      </a:r>
+                      <a:endParaRPr kumimoji="1" lang="ja-JP" altLang="en-US"/>
+                    </a:p>
+                  </a:txBody>
+                  <a:tcPr/>
+                </a:tc>
+                <a:tc>
+                  <a:txBody>
+                    <a:bodyPr/>
+                    <a:lstStyle/>
+                    <a:p>
+                      <a:r>
+                        <a:rPr kumimoji="1" lang="en-US" altLang="ja-JP" dirty="0"/>
+                        <a:t>21</a:t>
+                      </a:r>
+                      <a:endParaRPr kumimoji="1" lang="ja-JP" altLang="en-US"/>
+                    </a:p>
+                  </a:txBody>
+                  <a:tcPr/>
+                </a:tc>
+                <a:extLst>
+                  <a:ext uri="{0D108BD9-81ED-4DB2-BD59-A6C34878D82A}">
+                    <a16:rowId xmlns:a16="http://schemas.microsoft.com/office/drawing/2014/main" val="3137834531"/>
+                  </a:ext>
+                </a:extLst>
+              </a:tr>
+              <a:tr h="370840">
+                <a:tc>
+                  <a:txBody>
+                    <a:bodyPr/>
+                    <a:lstStyle/>
+                    <a:p>
+                      <a:r>
+                        <a:rPr lang="en-US" altLang="ja-JP" dirty="0"/>
+                        <a:t>2019-0213</a:t>
+                      </a:r>
+                      <a:endParaRPr kumimoji="1" lang="ja-JP" altLang="en-US"/>
+                    </a:p>
+                  </a:txBody>
+                  <a:tcPr/>
+                </a:tc>
+                <a:tc>
+                  <a:txBody>
+                    <a:bodyPr/>
+                    <a:lstStyle/>
+                    <a:p>
+                      <a:r>
+                        <a:rPr kumimoji="1" lang="en-US" altLang="ja-JP" dirty="0"/>
+                        <a:t>4</a:t>
+                      </a:r>
+                      <a:endParaRPr kumimoji="1" lang="ja-JP" altLang="en-US"/>
+                    </a:p>
+                  </a:txBody>
+                  <a:tcPr/>
+                </a:tc>
+                <a:tc>
+                  <a:txBody>
+                    <a:bodyPr/>
+                    <a:lstStyle/>
+                    <a:p>
+                      <a:r>
+                        <a:rPr kumimoji="1" lang="ja-JP" altLang="en-US"/>
+                        <a:t>無</a:t>
+                      </a:r>
+                    </a:p>
+                  </a:txBody>
+                  <a:tcPr/>
+                </a:tc>
+                <a:tc>
+                  <a:txBody>
+                    <a:bodyPr/>
+                    <a:lstStyle/>
+                    <a:p>
+                      <a:r>
+                        <a:rPr kumimoji="1" lang="en-US" altLang="ja-JP" dirty="0"/>
+                        <a:t>0</a:t>
+                      </a:r>
+                      <a:endParaRPr kumimoji="1" lang="ja-JP" altLang="en-US"/>
+                    </a:p>
+                  </a:txBody>
+                  <a:tcPr/>
+                </a:tc>
+                <a:tc>
+                  <a:txBody>
+                    <a:bodyPr/>
+                    <a:lstStyle/>
+                    <a:p>
+                      <a:r>
+                        <a:rPr kumimoji="1" lang="en-US" altLang="ja-JP" dirty="0"/>
+                        <a:t>0</a:t>
+                      </a:r>
+                    </a:p>
+                  </a:txBody>
+                  <a:tcPr/>
+                </a:tc>
+                <a:extLst>
+                  <a:ext uri="{0D108BD9-81ED-4DB2-BD59-A6C34878D82A}">
+                    <a16:rowId xmlns:a16="http://schemas.microsoft.com/office/drawing/2014/main" val="3706981544"/>
+                  </a:ext>
+                </a:extLst>
+              </a:tr>
+              <a:tr h="370840">
+                <a:tc>
+                  <a:txBody>
+                    <a:bodyPr/>
+                    <a:lstStyle/>
+                    <a:p>
+                      <a:r>
+                        <a:rPr kumimoji="1" lang="en-US" altLang="ja-JP" dirty="0"/>
+                        <a:t>2014-8351</a:t>
+                      </a:r>
+                      <a:endParaRPr kumimoji="1" lang="ja-JP" altLang="en-US"/>
+                    </a:p>
+                  </a:txBody>
+                  <a:tcPr/>
+                </a:tc>
+                <a:tc>
+                  <a:txBody>
+                    <a:bodyPr/>
+                    <a:lstStyle/>
+                    <a:p>
+                      <a:r>
+                        <a:rPr kumimoji="1" lang="en-US" altLang="ja-JP" dirty="0"/>
+                        <a:t>2</a:t>
+                      </a:r>
+                      <a:endParaRPr kumimoji="1" lang="ja-JP" altLang="en-US"/>
+                    </a:p>
+                  </a:txBody>
+                  <a:tcPr/>
+                </a:tc>
+                <a:tc>
+                  <a:txBody>
+                    <a:bodyPr/>
+                    <a:lstStyle/>
+                    <a:p>
+                      <a:r>
+                        <a:rPr kumimoji="1" lang="ja-JP" altLang="en-US"/>
+                        <a:t>無</a:t>
+                      </a:r>
+                    </a:p>
+                  </a:txBody>
+                  <a:tcPr/>
+                </a:tc>
+                <a:tc>
+                  <a:txBody>
+                    <a:bodyPr/>
+                    <a:lstStyle/>
+                    <a:p>
+                      <a:pPr marL="0" marR="0" lvl="0" indent="0" algn="l" defTabSz="914400" rtl="0" eaLnBrk="1" fontAlgn="auto" latinLnBrk="0" hangingPunct="1">
+                        <a:lnSpc>
+                          <a:spcPct val="100000"/>
+                        </a:lnSpc>
+                        <a:spcBef>
+                          <a:spcPts val="0"/>
+                        </a:spcBef>
+                        <a:spcAft>
+                          <a:spcPts val="0"/>
+                        </a:spcAft>
+                        <a:buClrTx/>
+                        <a:buSzTx/>
+                        <a:buFontTx/>
+                        <a:buNone/>
+                        <a:tabLst/>
+                        <a:defRPr/>
+                      </a:pPr>
+                      <a:r>
+                        <a:rPr kumimoji="1" lang="en-US" altLang="ja-JP" dirty="0"/>
+                        <a:t>0</a:t>
+                      </a:r>
+                      <a:endParaRPr kumimoji="1" lang="ja-JP" altLang="en-US"/>
+                    </a:p>
+                  </a:txBody>
+                  <a:tcPr/>
+                </a:tc>
+                <a:tc>
+                  <a:txBody>
+                    <a:bodyPr/>
+                    <a:lstStyle/>
+                    <a:p>
+                      <a:pPr marL="0" marR="0" lvl="0" indent="0" algn="l" defTabSz="914400" rtl="0" eaLnBrk="1" fontAlgn="auto" latinLnBrk="0" hangingPunct="1">
+                        <a:lnSpc>
+                          <a:spcPct val="100000"/>
+                        </a:lnSpc>
+                        <a:spcBef>
+                          <a:spcPts val="0"/>
+                        </a:spcBef>
+                        <a:spcAft>
+                          <a:spcPts val="0"/>
+                        </a:spcAft>
+                        <a:buClrTx/>
+                        <a:buSzTx/>
+                        <a:buFontTx/>
+                        <a:buNone/>
+                        <a:tabLst/>
+                        <a:defRPr/>
+                      </a:pPr>
+                      <a:r>
+                        <a:rPr kumimoji="1" lang="en-US" altLang="ja-JP" dirty="0"/>
+                        <a:t>0</a:t>
+                      </a:r>
+                      <a:endParaRPr kumimoji="1" lang="ja-JP" altLang="en-US"/>
+                    </a:p>
+                  </a:txBody>
+                  <a:tcPr/>
+                </a:tc>
+                <a:extLst>
+                  <a:ext uri="{0D108BD9-81ED-4DB2-BD59-A6C34878D82A}">
+                    <a16:rowId xmlns:a16="http://schemas.microsoft.com/office/drawing/2014/main" val="2628152423"/>
+                  </a:ext>
+                </a:extLst>
+              </a:tr>
+              <a:tr h="370840">
+                <a:tc>
+                  <a:txBody>
+                    <a:bodyPr/>
+                    <a:lstStyle/>
+                    <a:p>
+                      <a:r>
+                        <a:rPr kumimoji="1" lang="en-US" altLang="ja-JP" dirty="0"/>
+                        <a:t>2015-4342</a:t>
+                      </a:r>
+                      <a:endParaRPr kumimoji="1" lang="ja-JP" altLang="en-US"/>
+                    </a:p>
+                  </a:txBody>
+                  <a:tcPr/>
+                </a:tc>
+                <a:tc>
+                  <a:txBody>
+                    <a:bodyPr/>
+                    <a:lstStyle/>
+                    <a:p>
+                      <a:r>
+                        <a:rPr kumimoji="1" lang="en-US" altLang="ja-JP" dirty="0"/>
+                        <a:t>2</a:t>
+                      </a:r>
+                      <a:endParaRPr kumimoji="1" lang="ja-JP" altLang="en-US"/>
+                    </a:p>
+                  </a:txBody>
+                  <a:tcPr/>
+                </a:tc>
+                <a:tc>
+                  <a:txBody>
+                    <a:bodyPr/>
+                    <a:lstStyle/>
+                    <a:p>
+                      <a:r>
+                        <a:rPr kumimoji="1" lang="ja-JP" altLang="en-US"/>
+                        <a:t>無</a:t>
+                      </a:r>
+                    </a:p>
+                  </a:txBody>
+                  <a:tcPr/>
+                </a:tc>
+                <a:tc>
+                  <a:txBody>
+                    <a:bodyPr/>
+                    <a:lstStyle/>
+                    <a:p>
+                      <a:pPr marL="0" marR="0" lvl="0" indent="0" algn="l" defTabSz="914400" rtl="0" eaLnBrk="1" fontAlgn="auto" latinLnBrk="0" hangingPunct="1">
+                        <a:lnSpc>
+                          <a:spcPct val="100000"/>
+                        </a:lnSpc>
+                        <a:spcBef>
+                          <a:spcPts val="0"/>
+                        </a:spcBef>
+                        <a:spcAft>
+                          <a:spcPts val="0"/>
+                        </a:spcAft>
+                        <a:buClrTx/>
+                        <a:buSzTx/>
+                        <a:buFontTx/>
+                        <a:buNone/>
+                        <a:tabLst/>
+                        <a:defRPr/>
+                      </a:pPr>
+                      <a:r>
+                        <a:rPr kumimoji="1" lang="en-US" altLang="ja-JP" dirty="0"/>
+                        <a:t>0</a:t>
+                      </a:r>
+                      <a:endParaRPr kumimoji="1" lang="ja-JP" altLang="en-US"/>
+                    </a:p>
+                  </a:txBody>
+                  <a:tcPr/>
+                </a:tc>
+                <a:tc>
+                  <a:txBody>
+                    <a:bodyPr/>
+                    <a:lstStyle/>
+                    <a:p>
+                      <a:pPr marL="0" marR="0" lvl="0" indent="0" algn="l" defTabSz="914400" rtl="0" eaLnBrk="1" fontAlgn="auto" latinLnBrk="0" hangingPunct="1">
+                        <a:lnSpc>
+                          <a:spcPct val="100000"/>
+                        </a:lnSpc>
+                        <a:spcBef>
+                          <a:spcPts val="0"/>
+                        </a:spcBef>
+                        <a:spcAft>
+                          <a:spcPts val="0"/>
+                        </a:spcAft>
+                        <a:buClrTx/>
+                        <a:buSzTx/>
+                        <a:buFontTx/>
+                        <a:buNone/>
+                        <a:tabLst/>
+                        <a:defRPr/>
+                      </a:pPr>
+                      <a:r>
+                        <a:rPr kumimoji="1" lang="en-US" altLang="ja-JP"/>
+                        <a:t>0</a:t>
+                      </a:r>
+                      <a:endParaRPr kumimoji="1" lang="ja-JP" altLang="en-US"/>
+                    </a:p>
+                  </a:txBody>
+                  <a:tcPr/>
+                </a:tc>
+                <a:extLst>
+                  <a:ext uri="{0D108BD9-81ED-4DB2-BD59-A6C34878D82A}">
+                    <a16:rowId xmlns:a16="http://schemas.microsoft.com/office/drawing/2014/main" val="3797412254"/>
+                  </a:ext>
+                </a:extLst>
+              </a:tr>
+              <a:tr h="370840">
+                <a:tc>
+                  <a:txBody>
+                    <a:bodyPr/>
+                    <a:lstStyle/>
+                    <a:p>
+                      <a:r>
+                        <a:rPr kumimoji="1" lang="en-US" altLang="ja-JP" dirty="0"/>
+                        <a:t>2015-8369</a:t>
+                      </a:r>
+                      <a:endParaRPr kumimoji="1" lang="ja-JP" altLang="en-US"/>
+                    </a:p>
+                  </a:txBody>
+                  <a:tcPr/>
+                </a:tc>
+                <a:tc>
+                  <a:txBody>
+                    <a:bodyPr/>
+                    <a:lstStyle/>
+                    <a:p>
+                      <a:r>
+                        <a:rPr kumimoji="1" lang="en-US" altLang="ja-JP" dirty="0"/>
+                        <a:t>2</a:t>
+                      </a:r>
+                      <a:endParaRPr kumimoji="1" lang="ja-JP" altLang="en-US"/>
+                    </a:p>
+                  </a:txBody>
+                  <a:tcPr/>
+                </a:tc>
+                <a:tc>
+                  <a:txBody>
+                    <a:bodyPr/>
+                    <a:lstStyle/>
+                    <a:p>
+                      <a:r>
+                        <a:rPr kumimoji="1" lang="ja-JP" altLang="en-US"/>
+                        <a:t>有</a:t>
+                      </a:r>
+                    </a:p>
+                  </a:txBody>
+                  <a:tcPr/>
+                </a:tc>
+                <a:tc>
+                  <a:txBody>
+                    <a:bodyPr/>
+                    <a:lstStyle/>
+                    <a:p>
+                      <a:r>
+                        <a:rPr kumimoji="1" lang="en-US" altLang="ja-JP" dirty="0"/>
+                        <a:t>2</a:t>
+                      </a:r>
+                      <a:endParaRPr kumimoji="1" lang="ja-JP" altLang="en-US"/>
+                    </a:p>
+                  </a:txBody>
+                  <a:tcPr/>
+                </a:tc>
+                <a:tc>
+                  <a:txBody>
+                    <a:bodyPr/>
+                    <a:lstStyle/>
+                    <a:p>
+                      <a:r>
+                        <a:rPr kumimoji="1" lang="en-US" altLang="ja-JP" dirty="0"/>
+                        <a:t>2</a:t>
+                      </a:r>
+                      <a:endParaRPr kumimoji="1" lang="ja-JP" altLang="en-US"/>
+                    </a:p>
+                  </a:txBody>
+                  <a:tcPr/>
+                </a:tc>
+                <a:extLst>
+                  <a:ext uri="{0D108BD9-81ED-4DB2-BD59-A6C34878D82A}">
+                    <a16:rowId xmlns:a16="http://schemas.microsoft.com/office/drawing/2014/main" val="2241456656"/>
+                  </a:ext>
+                </a:extLst>
+              </a:tr>
+              <a:tr h="370840">
+                <a:tc>
+                  <a:txBody>
+                    <a:bodyPr/>
+                    <a:lstStyle/>
+                    <a:p>
+                      <a:r>
+                        <a:rPr lang="en-US" altLang="ja-JP" dirty="0"/>
+                        <a:t>2020-7996</a:t>
+                      </a:r>
+                      <a:endParaRPr kumimoji="1" lang="ja-JP" altLang="en-US"/>
+                    </a:p>
+                  </a:txBody>
+                  <a:tcPr/>
+                </a:tc>
+                <a:tc>
+                  <a:txBody>
+                    <a:bodyPr/>
+                    <a:lstStyle/>
+                    <a:p>
+                      <a:r>
+                        <a:rPr kumimoji="1" lang="en-US" altLang="ja-JP" dirty="0"/>
+                        <a:t>2</a:t>
+                      </a:r>
+                      <a:endParaRPr kumimoji="1" lang="ja-JP" altLang="en-US"/>
+                    </a:p>
+                  </a:txBody>
+                  <a:tcPr/>
+                </a:tc>
+                <a:tc>
+                  <a:txBody>
+                    <a:bodyPr/>
+                    <a:lstStyle/>
+                    <a:p>
+                      <a:r>
+                        <a:rPr kumimoji="1" lang="ja-JP" altLang="en-US"/>
+                        <a:t>有</a:t>
+                      </a:r>
+                    </a:p>
+                  </a:txBody>
+                  <a:tcPr/>
+                </a:tc>
+                <a:tc>
+                  <a:txBody>
+                    <a:bodyPr/>
+                    <a:lstStyle/>
+                    <a:p>
+                      <a:r>
+                        <a:rPr kumimoji="1" lang="en-US" altLang="ja-JP" dirty="0"/>
+                        <a:t>2</a:t>
+                      </a:r>
+                      <a:endParaRPr kumimoji="1" lang="ja-JP" altLang="en-US"/>
+                    </a:p>
+                  </a:txBody>
+                  <a:tcPr/>
+                </a:tc>
+                <a:tc>
+                  <a:txBody>
+                    <a:bodyPr/>
+                    <a:lstStyle/>
+                    <a:p>
+                      <a:r>
+                        <a:rPr kumimoji="1" lang="en-US" altLang="ja-JP" dirty="0"/>
+                        <a:t>2</a:t>
+                      </a:r>
+                      <a:endParaRPr kumimoji="1" lang="ja-JP" altLang="en-US"/>
+                    </a:p>
+                  </a:txBody>
+                  <a:tcPr/>
+                </a:tc>
+                <a:extLst>
+                  <a:ext uri="{0D108BD9-81ED-4DB2-BD59-A6C34878D82A}">
+                    <a16:rowId xmlns:a16="http://schemas.microsoft.com/office/drawing/2014/main" val="4044718989"/>
+                  </a:ext>
+                </a:extLst>
+              </a:tr>
+              <a:tr h="370840">
+                <a:tc>
+                  <a:txBody>
+                    <a:bodyPr/>
+                    <a:lstStyle/>
+                    <a:p>
+                      <a:r>
+                        <a:rPr lang="en-US" altLang="ja-JP" dirty="0"/>
+                        <a:t>2012-1936</a:t>
+                      </a:r>
+                      <a:endParaRPr kumimoji="1" lang="ja-JP" altLang="en-US"/>
+                    </a:p>
+                  </a:txBody>
+                  <a:tcPr/>
+                </a:tc>
+                <a:tc>
+                  <a:txBody>
+                    <a:bodyPr/>
+                    <a:lstStyle/>
+                    <a:p>
+                      <a:r>
+                        <a:rPr kumimoji="1" lang="en-US" altLang="ja-JP" dirty="0"/>
+                        <a:t>2</a:t>
+                      </a:r>
+                      <a:endParaRPr kumimoji="1" lang="ja-JP" altLang="en-US"/>
+                    </a:p>
+                  </a:txBody>
+                  <a:tcPr/>
+                </a:tc>
+                <a:tc>
+                  <a:txBody>
+                    <a:bodyPr/>
+                    <a:lstStyle/>
+                    <a:p>
+                      <a:r>
+                        <a:rPr kumimoji="1" lang="ja-JP" altLang="en-US"/>
+                        <a:t>有</a:t>
+                      </a:r>
+                    </a:p>
+                  </a:txBody>
+                  <a:tcPr/>
+                </a:tc>
+                <a:tc>
+                  <a:txBody>
+                    <a:bodyPr/>
+                    <a:lstStyle/>
+                    <a:p>
+                      <a:r>
+                        <a:rPr kumimoji="1" lang="en-US" altLang="ja-JP" dirty="0"/>
+                        <a:t>2</a:t>
+                      </a:r>
+                      <a:endParaRPr kumimoji="1" lang="ja-JP" altLang="en-US"/>
+                    </a:p>
+                  </a:txBody>
+                  <a:tcPr/>
+                </a:tc>
+                <a:tc>
+                  <a:txBody>
+                    <a:bodyPr/>
+                    <a:lstStyle/>
+                    <a:p>
+                      <a:r>
+                        <a:rPr kumimoji="1" lang="en-US" altLang="ja-JP" dirty="0"/>
+                        <a:t>1</a:t>
+                      </a:r>
+                      <a:endParaRPr kumimoji="1" lang="ja-JP" altLang="en-US"/>
+                    </a:p>
+                  </a:txBody>
+                  <a:tcPr/>
+                </a:tc>
+                <a:extLst>
+                  <a:ext uri="{0D108BD9-81ED-4DB2-BD59-A6C34878D82A}">
+                    <a16:rowId xmlns:a16="http://schemas.microsoft.com/office/drawing/2014/main" val="1738340124"/>
+                  </a:ext>
+                </a:extLst>
+              </a:tr>
+              <a:tr h="370840">
+                <a:tc>
+                  <a:txBody>
+                    <a:bodyPr/>
+                    <a:lstStyle/>
+                    <a:p>
+                      <a:r>
+                        <a:rPr lang="en-US" altLang="ja-JP" dirty="0"/>
+                        <a:t>2020-8166</a:t>
+                      </a:r>
+                      <a:endParaRPr kumimoji="1" lang="ja-JP" altLang="en-US"/>
+                    </a:p>
+                  </a:txBody>
+                  <a:tcPr/>
+                </a:tc>
+                <a:tc>
+                  <a:txBody>
+                    <a:bodyPr/>
+                    <a:lstStyle/>
+                    <a:p>
+                      <a:pPr marL="0" marR="0" lvl="0" indent="0" algn="l" defTabSz="914400" rtl="0" eaLnBrk="1" fontAlgn="auto" latinLnBrk="0" hangingPunct="1">
+                        <a:lnSpc>
+                          <a:spcPct val="100000"/>
+                        </a:lnSpc>
+                        <a:spcBef>
+                          <a:spcPts val="0"/>
+                        </a:spcBef>
+                        <a:spcAft>
+                          <a:spcPts val="0"/>
+                        </a:spcAft>
+                        <a:buClrTx/>
+                        <a:buSzTx/>
+                        <a:buFontTx/>
+                        <a:buNone/>
+                        <a:tabLst/>
+                        <a:defRPr/>
+                      </a:pPr>
+                      <a:r>
+                        <a:rPr kumimoji="1" lang="en-US" altLang="ja-JP" dirty="0"/>
+                        <a:t>2</a:t>
+                      </a:r>
+                      <a:endParaRPr kumimoji="1" lang="ja-JP" altLang="en-US"/>
+                    </a:p>
+                  </a:txBody>
+                  <a:tcPr/>
+                </a:tc>
+                <a:tc>
+                  <a:txBody>
+                    <a:bodyPr/>
+                    <a:lstStyle/>
+                    <a:p>
+                      <a:r>
+                        <a:rPr kumimoji="1" lang="ja-JP" altLang="en-US"/>
+                        <a:t>無</a:t>
+                      </a:r>
+                    </a:p>
+                  </a:txBody>
+                  <a:tcPr/>
+                </a:tc>
+                <a:tc>
+                  <a:txBody>
+                    <a:bodyPr/>
+                    <a:lstStyle/>
+                    <a:p>
+                      <a:pPr marL="0" marR="0" lvl="0" indent="0" algn="l" defTabSz="914400" rtl="0" eaLnBrk="1" fontAlgn="auto" latinLnBrk="0" hangingPunct="1">
+                        <a:lnSpc>
+                          <a:spcPct val="100000"/>
+                        </a:lnSpc>
+                        <a:spcBef>
+                          <a:spcPts val="0"/>
+                        </a:spcBef>
+                        <a:spcAft>
+                          <a:spcPts val="0"/>
+                        </a:spcAft>
+                        <a:buClrTx/>
+                        <a:buSzTx/>
+                        <a:buFontTx/>
+                        <a:buNone/>
+                        <a:tabLst/>
+                        <a:defRPr/>
+                      </a:pPr>
+                      <a:r>
+                        <a:rPr kumimoji="1" lang="en-US" altLang="ja-JP" dirty="0"/>
+                        <a:t>0</a:t>
+                      </a:r>
+                      <a:endParaRPr kumimoji="1" lang="ja-JP" altLang="en-US"/>
+                    </a:p>
+                  </a:txBody>
+                  <a:tcPr/>
+                </a:tc>
+                <a:tc>
+                  <a:txBody>
+                    <a:bodyPr/>
+                    <a:lstStyle/>
+                    <a:p>
+                      <a:pPr marL="0" marR="0" lvl="0" indent="0" algn="l" defTabSz="914400" rtl="0" eaLnBrk="1" fontAlgn="auto" latinLnBrk="0" hangingPunct="1">
+                        <a:lnSpc>
+                          <a:spcPct val="100000"/>
+                        </a:lnSpc>
+                        <a:spcBef>
+                          <a:spcPts val="0"/>
+                        </a:spcBef>
+                        <a:spcAft>
+                          <a:spcPts val="0"/>
+                        </a:spcAft>
+                        <a:buClrTx/>
+                        <a:buSzTx/>
+                        <a:buFontTx/>
+                        <a:buNone/>
+                        <a:tabLst/>
+                        <a:defRPr/>
+                      </a:pPr>
+                      <a:r>
+                        <a:rPr kumimoji="1" lang="en-US" altLang="ja-JP" dirty="0"/>
+                        <a:t>0</a:t>
+                      </a:r>
+                      <a:endParaRPr kumimoji="1" lang="ja-JP" altLang="en-US"/>
+                    </a:p>
+                  </a:txBody>
+                  <a:tcPr/>
+                </a:tc>
+                <a:extLst>
+                  <a:ext uri="{0D108BD9-81ED-4DB2-BD59-A6C34878D82A}">
+                    <a16:rowId xmlns:a16="http://schemas.microsoft.com/office/drawing/2014/main" val="2793509149"/>
+                  </a:ext>
+                </a:extLst>
+              </a:tr>
+            </a:tbl>
+          </a:graphicData>
+        </a:graphic>
+      </p:graphicFrame>
+    </p:spTree>
+    <p:extLst>
+      <p:ext uri="{BB962C8B-B14F-4D97-AF65-F5344CB8AC3E}">
+        <p14:creationId xmlns:p14="http://schemas.microsoft.com/office/powerpoint/2010/main" val="399549013"/>
+      </p:ext>
+    </p:extLst>
+  </p:cSld>
+  <p:clrMapOvr>
+    <a:masterClrMapping/>
+  </p:clrMapOvr>
+</p:sld>
+</file>
+
 <file path=ppt/slides/slide2.xml><?xml version="1.0" encoding="utf-8"?>
 <p:sld xmlns:a="http://schemas.openxmlformats.org/drawingml/2006/main" xmlns:r="http://schemas.openxmlformats.org/officeDocument/2006/relationships" xmlns:p="http://schemas.openxmlformats.org/presentationml/2006/main">
   <p:cSld>
